--- a/6.View/View.pptx
+++ b/6.View/View.pptx
@@ -22862,8 +22862,8 @@
         </p:nvSpPr>
         <p:spPr>
           <a:xfrm>
-            <a:off x="457200" y="2704339"/>
-            <a:ext cx="8181300" cy="3359772"/>
+            <a:off x="433050" y="2479623"/>
+            <a:ext cx="8181300" cy="3971669"/>
           </a:xfrm>
           <a:prstGeom prst="rect">
             <a:avLst/>
